--- a/ETL Workflow with Python.pptx
+++ b/ETL Workflow with Python.pptx
@@ -8,8 +8,9 @@
     <p:sldId id="256" r:id="rId2"/>
     <p:sldId id="258" r:id="rId3"/>
     <p:sldId id="259" r:id="rId4"/>
-    <p:sldId id="260" r:id="rId5"/>
-    <p:sldId id="261" r:id="rId6"/>
+    <p:sldId id="262" r:id="rId5"/>
+    <p:sldId id="260" r:id="rId6"/>
+    <p:sldId id="261" r:id="rId7"/>
   </p:sldIdLst>
   <p:sldSz cx="12192000" cy="6858000"/>
   <p:notesSz cx="6858000" cy="9144000"/>
@@ -861,7 +862,7 @@
           <a:p>
             <a:fld id="{671A323B-E064-4040-8D48-5D5A3DEF3515}" type="datetimeFigureOut">
               <a:rPr lang="en-IN" smtClean="0"/>
-              <a:t>10-02-2025</a:t>
+              <a:t>11-02-2025</a:t>
             </a:fld>
             <a:endParaRPr lang="en-IN"/>
           </a:p>
@@ -1112,7 +1113,7 @@
           <a:p>
             <a:fld id="{671A323B-E064-4040-8D48-5D5A3DEF3515}" type="datetimeFigureOut">
               <a:rPr lang="en-IN" smtClean="0"/>
-              <a:t>10-02-2025</a:t>
+              <a:t>11-02-2025</a:t>
             </a:fld>
             <a:endParaRPr lang="en-IN"/>
           </a:p>
@@ -1426,7 +1427,7 @@
           <a:p>
             <a:fld id="{671A323B-E064-4040-8D48-5D5A3DEF3515}" type="datetimeFigureOut">
               <a:rPr lang="en-IN" smtClean="0"/>
-              <a:t>10-02-2025</a:t>
+              <a:t>11-02-2025</a:t>
             </a:fld>
             <a:endParaRPr lang="en-IN"/>
           </a:p>
@@ -1759,7 +1760,7 @@
           <a:p>
             <a:fld id="{671A323B-E064-4040-8D48-5D5A3DEF3515}" type="datetimeFigureOut">
               <a:rPr lang="en-IN" smtClean="0"/>
-              <a:t>10-02-2025</a:t>
+              <a:t>11-02-2025</a:t>
             </a:fld>
             <a:endParaRPr lang="en-IN"/>
           </a:p>
@@ -2073,7 +2074,7 @@
           <a:p>
             <a:fld id="{671A323B-E064-4040-8D48-5D5A3DEF3515}" type="datetimeFigureOut">
               <a:rPr lang="en-IN" smtClean="0"/>
-              <a:t>10-02-2025</a:t>
+              <a:t>11-02-2025</a:t>
             </a:fld>
             <a:endParaRPr lang="en-IN"/>
           </a:p>
@@ -2466,7 +2467,7 @@
           <a:p>
             <a:fld id="{671A323B-E064-4040-8D48-5D5A3DEF3515}" type="datetimeFigureOut">
               <a:rPr lang="en-IN" smtClean="0"/>
-              <a:t>10-02-2025</a:t>
+              <a:t>11-02-2025</a:t>
             </a:fld>
             <a:endParaRPr lang="en-IN"/>
           </a:p>
@@ -2636,7 +2637,7 @@
           <a:p>
             <a:fld id="{671A323B-E064-4040-8D48-5D5A3DEF3515}" type="datetimeFigureOut">
               <a:rPr lang="en-IN" smtClean="0"/>
-              <a:t>10-02-2025</a:t>
+              <a:t>11-02-2025</a:t>
             </a:fld>
             <a:endParaRPr lang="en-IN"/>
           </a:p>
@@ -2816,7 +2817,7 @@
           <a:p>
             <a:fld id="{671A323B-E064-4040-8D48-5D5A3DEF3515}" type="datetimeFigureOut">
               <a:rPr lang="en-IN" smtClean="0"/>
-              <a:t>10-02-2025</a:t>
+              <a:t>11-02-2025</a:t>
             </a:fld>
             <a:endParaRPr lang="en-IN"/>
           </a:p>
@@ -2986,7 +2987,7 @@
           <a:p>
             <a:fld id="{671A323B-E064-4040-8D48-5D5A3DEF3515}" type="datetimeFigureOut">
               <a:rPr lang="en-IN" smtClean="0"/>
-              <a:t>10-02-2025</a:t>
+              <a:t>11-02-2025</a:t>
             </a:fld>
             <a:endParaRPr lang="en-IN"/>
           </a:p>
@@ -3233,7 +3234,7 @@
           <a:p>
             <a:fld id="{671A323B-E064-4040-8D48-5D5A3DEF3515}" type="datetimeFigureOut">
               <a:rPr lang="en-IN" smtClean="0"/>
-              <a:t>10-02-2025</a:t>
+              <a:t>11-02-2025</a:t>
             </a:fld>
             <a:endParaRPr lang="en-IN"/>
           </a:p>
@@ -3465,7 +3466,7 @@
           <a:p>
             <a:fld id="{671A323B-E064-4040-8D48-5D5A3DEF3515}" type="datetimeFigureOut">
               <a:rPr lang="en-IN" smtClean="0"/>
-              <a:t>10-02-2025</a:t>
+              <a:t>11-02-2025</a:t>
             </a:fld>
             <a:endParaRPr lang="en-IN"/>
           </a:p>
@@ -3839,7 +3840,7 @@
           <a:p>
             <a:fld id="{671A323B-E064-4040-8D48-5D5A3DEF3515}" type="datetimeFigureOut">
               <a:rPr lang="en-IN" smtClean="0"/>
-              <a:t>10-02-2025</a:t>
+              <a:t>11-02-2025</a:t>
             </a:fld>
             <a:endParaRPr lang="en-IN"/>
           </a:p>
@@ -3962,7 +3963,7 @@
           <a:p>
             <a:fld id="{671A323B-E064-4040-8D48-5D5A3DEF3515}" type="datetimeFigureOut">
               <a:rPr lang="en-IN" smtClean="0"/>
-              <a:t>10-02-2025</a:t>
+              <a:t>11-02-2025</a:t>
             </a:fld>
             <a:endParaRPr lang="en-IN"/>
           </a:p>
@@ -4057,7 +4058,7 @@
           <a:p>
             <a:fld id="{671A323B-E064-4040-8D48-5D5A3DEF3515}" type="datetimeFigureOut">
               <a:rPr lang="en-IN" smtClean="0"/>
-              <a:t>10-02-2025</a:t>
+              <a:t>11-02-2025</a:t>
             </a:fld>
             <a:endParaRPr lang="en-IN"/>
           </a:p>
@@ -4312,7 +4313,7 @@
           <a:p>
             <a:fld id="{671A323B-E064-4040-8D48-5D5A3DEF3515}" type="datetimeFigureOut">
               <a:rPr lang="en-IN" smtClean="0"/>
-              <a:t>10-02-2025</a:t>
+              <a:t>11-02-2025</a:t>
             </a:fld>
             <a:endParaRPr lang="en-IN"/>
           </a:p>
@@ -4617,7 +4618,7 @@
           <a:p>
             <a:fld id="{671A323B-E064-4040-8D48-5D5A3DEF3515}" type="datetimeFigureOut">
               <a:rPr lang="en-IN" smtClean="0"/>
-              <a:t>10-02-2025</a:t>
+              <a:t>11-02-2025</a:t>
             </a:fld>
             <a:endParaRPr lang="en-IN"/>
           </a:p>
@@ -5319,7 +5320,7 @@
           <a:p>
             <a:fld id="{671A323B-E064-4040-8D48-5D5A3DEF3515}" type="datetimeFigureOut">
               <a:rPr lang="en-IN" smtClean="0"/>
-              <a:t>10-02-2025</a:t>
+              <a:t>11-02-2025</a:t>
             </a:fld>
             <a:endParaRPr lang="en-IN"/>
           </a:p>
@@ -6169,6 +6170,71 @@
           <p:cNvPr id="2" name="Title 1">
             <a:extLst>
               <a:ext uri="{FF2B5EF4-FFF2-40B4-BE49-F238E27FC236}">
+                <a16:creationId xmlns:a16="http://schemas.microsoft.com/office/drawing/2014/main" id="{1B0F6238-0AA2-6626-6ED9-1A047F76B407}"/>
+              </a:ext>
+            </a:extLst>
+          </p:cNvPr>
+          <p:cNvSpPr>
+            <a:spLocks noGrp="1"/>
+          </p:cNvSpPr>
+          <p:nvPr>
+            <p:ph type="title"/>
+          </p:nvPr>
+        </p:nvSpPr>
+        <p:spPr>
+          <a:xfrm>
+            <a:off x="677334" y="2683501"/>
+            <a:ext cx="8596668" cy="1320800"/>
+          </a:xfrm>
+        </p:spPr>
+        <p:txBody>
+          <a:bodyPr/>
+          <a:lstStyle/>
+          <a:p>
+            <a:pPr algn="ctr"/>
+            <a:r>
+              <a:rPr lang="en-GB" dirty="0"/>
+              <a:t>Source Code Review</a:t>
+            </a:r>
+            <a:endParaRPr lang="en-IN" dirty="0"/>
+          </a:p>
+        </p:txBody>
+      </p:sp>
+    </p:spTree>
+    <p:extLst>
+      <p:ext uri="{BB962C8B-B14F-4D97-AF65-F5344CB8AC3E}">
+        <p14:creationId xmlns:p14="http://schemas.microsoft.com/office/powerpoint/2010/main" val="1627182908"/>
+      </p:ext>
+    </p:extLst>
+  </p:cSld>
+  <p:clrMapOvr>
+    <a:masterClrMapping/>
+  </p:clrMapOvr>
+</p:sld>
+</file>
+
+<file path=ppt/slides/slide5.xml><?xml version="1.0" encoding="utf-8"?>
+<p:sld xmlns:a="http://schemas.openxmlformats.org/drawingml/2006/main" xmlns:r="http://schemas.openxmlformats.org/officeDocument/2006/relationships" xmlns:p="http://schemas.openxmlformats.org/presentationml/2006/main">
+  <p:cSld>
+    <p:spTree>
+      <p:nvGrpSpPr>
+        <p:cNvPr id="1" name=""/>
+        <p:cNvGrpSpPr/>
+        <p:nvPr/>
+      </p:nvGrpSpPr>
+      <p:grpSpPr>
+        <a:xfrm>
+          <a:off x="0" y="0"/>
+          <a:ext cx="0" cy="0"/>
+          <a:chOff x="0" y="0"/>
+          <a:chExt cx="0" cy="0"/>
+        </a:xfrm>
+      </p:grpSpPr>
+      <p:sp>
+        <p:nvSpPr>
+          <p:cNvPr id="2" name="Title 1">
+            <a:extLst>
+              <a:ext uri="{FF2B5EF4-FFF2-40B4-BE49-F238E27FC236}">
                 <a16:creationId xmlns:a16="http://schemas.microsoft.com/office/drawing/2014/main" id="{CE09D5B5-A76B-BF84-B846-F4F56D0A861C}"/>
               </a:ext>
             </a:extLst>
@@ -6212,7 +6278,7 @@
 </p:sld>
 </file>
 
-<file path=ppt/slides/slide5.xml><?xml version="1.0" encoding="utf-8"?>
+<file path=ppt/slides/slide6.xml><?xml version="1.0" encoding="utf-8"?>
 <p:sld xmlns:a="http://schemas.openxmlformats.org/drawingml/2006/main" xmlns:r="http://schemas.openxmlformats.org/officeDocument/2006/relationships" xmlns:p="http://schemas.openxmlformats.org/presentationml/2006/main">
   <p:cSld>
     <p:spTree>
